--- a/Slides/Can Deveci.pptx
+++ b/Slides/Can Deveci.pptx
@@ -113,6 +113,11 @@
       </a:defRPr>
     </a:lvl9pPr>
   </p:defaultTextStyle>
+  <p:extLst>
+    <p:ext uri="{EFAFB233-063F-42B5-8137-9DF3F51BA10A}">
+      <p15:sldGuideLst xmlns:p15="http://schemas.microsoft.com/office/powerpoint/2012/main"/>
+    </p:ext>
+  </p:extLst>
 </p:presentation>
 </file>
 
@@ -4508,24 +4513,62 @@
         </p:nvSpPr>
         <p:spPr/>
         <p:txBody>
-          <a:bodyPr/>
+          <a:bodyPr>
+            <a:normAutofit fontScale="92500" lnSpcReduction="20000"/>
+          </a:bodyPr>
           <a:lstStyle/>
           <a:p>
             <a:r>
               <a:rPr lang="en-US" dirty="0"/>
-              <a:t>Paper 1</a:t>
+              <a:t>Keyword: “biomedical entity normalization”</a:t>
             </a:r>
           </a:p>
           <a:p>
             <a:r>
               <a:rPr lang="en-US" dirty="0"/>
-              <a:t>Paper 2</a:t>
+              <a:t>0-An ensemble CNN method for biomedical entity normalization </a:t>
             </a:r>
           </a:p>
           <a:p>
             <a:r>
               <a:rPr lang="en-US" dirty="0"/>
-              <a:t>Paper 3</a:t>
+              <a:t>1-CNN-based ranking for biomedical entity normalization</a:t>
+            </a:r>
+          </a:p>
+          <a:p>
+            <a:r>
+              <a:rPr lang="en-US" dirty="0"/>
+              <a:t>2-NERBio: using selected word conjunctions, term normalization, and global patterns to improve biomedical named entity recognition</a:t>
+            </a:r>
+          </a:p>
+          <a:p>
+            <a:r>
+              <a:rPr lang="en-US" dirty="0"/>
+              <a:t>3-Unsupervised gene/protein named entity normalization using automatically extracted dictionaries </a:t>
+            </a:r>
+          </a:p>
+          <a:p>
+            <a:r>
+              <a:rPr lang="en-US" dirty="0"/>
+              <a:t>4-OrganismTagger: detection, normalization and grounding of organism entities in biomedical documents</a:t>
+            </a:r>
+          </a:p>
+          <a:p>
+            <a:r>
+              <a:rPr lang="en-US" dirty="0"/>
+              <a:t>5-Normalizing biomedical terms by minimizing ambiguity and variability</a:t>
+            </a:r>
+          </a:p>
+          <a:p>
+            <a:r>
+              <a:rPr lang="en-US" dirty="0"/>
+              <a:t>6-A method for named entity normalization in biomedical articles: application to diseases and plants</a:t>
+            </a:r>
+          </a:p>
+          <a:p>
+            <a:r>
+              <a:rPr lang="en-US" dirty="0"/>
+              <a:t>7-DNorm: disease name normalization with pairwise learning to rank</a:t>
             </a:r>
           </a:p>
         </p:txBody>

--- a/Slides/Can Deveci.pptx
+++ b/Slides/Can Deveci.pptx
@@ -13,8 +13,10 @@
     <p:sldId id="266" r:id="rId7"/>
     <p:sldId id="257" r:id="rId8"/>
     <p:sldId id="258" r:id="rId9"/>
-    <p:sldId id="259" r:id="rId10"/>
-    <p:sldId id="260" r:id="rId11"/>
+    <p:sldId id="268" r:id="rId10"/>
+    <p:sldId id="267" r:id="rId11"/>
+    <p:sldId id="259" r:id="rId12"/>
+    <p:sldId id="260" r:id="rId13"/>
   </p:sldIdLst>
   <p:sldSz cx="12192000" cy="6858000"/>
   <p:notesSz cx="6858000" cy="9144000"/>
@@ -3973,6 +3975,192 @@
           <a:p>
             <a:r>
               <a:rPr lang="en-US" dirty="0"/>
+              <a:t>Paper 1</a:t>
+            </a:r>
+          </a:p>
+        </p:txBody>
+      </p:sp>
+      <p:sp>
+        <p:nvSpPr>
+          <p:cNvPr id="3" name="Content Placeholder 2">
+            <a:extLst>
+              <a:ext uri="{FF2B5EF4-FFF2-40B4-BE49-F238E27FC236}">
+                <a16:creationId xmlns:a16="http://schemas.microsoft.com/office/drawing/2014/main" id="{3B9B51B1-383B-4A8B-9C5B-9FD704B0BC1B}"/>
+              </a:ext>
+            </a:extLst>
+          </p:cNvPr>
+          <p:cNvSpPr>
+            <a:spLocks noGrp="1"/>
+          </p:cNvSpPr>
+          <p:nvPr>
+            <p:ph idx="1"/>
+          </p:nvPr>
+        </p:nvSpPr>
+        <p:spPr/>
+        <p:txBody>
+          <a:bodyPr/>
+          <a:lstStyle/>
+          <a:p>
+            <a:r>
+              <a:rPr lang="en-US" dirty="0"/>
+              <a:t>5 Key Ideas that can be </a:t>
+            </a:r>
+            <a:r>
+              <a:rPr lang="en-US" dirty="0" err="1"/>
+              <a:t>exploitet</a:t>
+            </a:r>
+            <a:r>
+              <a:rPr lang="en-US" dirty="0"/>
+              <a:t> from 5 Papers</a:t>
+            </a:r>
+          </a:p>
+          <a:p>
+            <a:endParaRPr lang="en-US" dirty="0"/>
+          </a:p>
+          <a:p>
+            <a:r>
+              <a:rPr lang="en-US" dirty="0"/>
+              <a:t>Accounted practical aspects/ease of implementation in ranking</a:t>
+            </a:r>
+          </a:p>
+        </p:txBody>
+      </p:sp>
+    </p:spTree>
+    <p:extLst>
+      <p:ext uri="{BB962C8B-B14F-4D97-AF65-F5344CB8AC3E}">
+        <p14:creationId xmlns:p14="http://schemas.microsoft.com/office/powerpoint/2010/main" val="2681154579"/>
+      </p:ext>
+    </p:extLst>
+  </p:cSld>
+  <p:clrMapOvr>
+    <a:masterClrMapping/>
+  </p:clrMapOvr>
+</p:sld>
+</file>
+
+<file path=ppt/slides/slide11.xml><?xml version="1.0" encoding="utf-8"?>
+<p:sld xmlns:a="http://schemas.openxmlformats.org/drawingml/2006/main" xmlns:r="http://schemas.openxmlformats.org/officeDocument/2006/relationships" xmlns:p="http://schemas.openxmlformats.org/presentationml/2006/main">
+  <p:cSld>
+    <p:spTree>
+      <p:nvGrpSpPr>
+        <p:cNvPr id="1" name=""/>
+        <p:cNvGrpSpPr/>
+        <p:nvPr/>
+      </p:nvGrpSpPr>
+      <p:grpSpPr>
+        <a:xfrm>
+          <a:off x="0" y="0"/>
+          <a:ext cx="0" cy="0"/>
+          <a:chOff x="0" y="0"/>
+          <a:chExt cx="0" cy="0"/>
+        </a:xfrm>
+      </p:grpSpPr>
+      <p:sp>
+        <p:nvSpPr>
+          <p:cNvPr id="2" name="Title 1">
+            <a:extLst>
+              <a:ext uri="{FF2B5EF4-FFF2-40B4-BE49-F238E27FC236}">
+                <a16:creationId xmlns:a16="http://schemas.microsoft.com/office/drawing/2014/main" id="{1AE67C95-A1CD-44F8-99D2-4640264C88CA}"/>
+              </a:ext>
+            </a:extLst>
+          </p:cNvPr>
+          <p:cNvSpPr>
+            <a:spLocks noGrp="1"/>
+          </p:cNvSpPr>
+          <p:nvPr>
+            <p:ph type="title"/>
+          </p:nvPr>
+        </p:nvSpPr>
+        <p:spPr/>
+        <p:txBody>
+          <a:bodyPr/>
+          <a:lstStyle/>
+          <a:p>
+            <a:r>
+              <a:rPr lang="en-US" dirty="0"/>
+              <a:t>Paper 2</a:t>
+            </a:r>
+          </a:p>
+        </p:txBody>
+      </p:sp>
+      <p:sp>
+        <p:nvSpPr>
+          <p:cNvPr id="3" name="Content Placeholder 2">
+            <a:extLst>
+              <a:ext uri="{FF2B5EF4-FFF2-40B4-BE49-F238E27FC236}">
+                <a16:creationId xmlns:a16="http://schemas.microsoft.com/office/drawing/2014/main" id="{3B9B51B1-383B-4A8B-9C5B-9FD704B0BC1B}"/>
+              </a:ext>
+            </a:extLst>
+          </p:cNvPr>
+          <p:cNvSpPr>
+            <a:spLocks noGrp="1"/>
+          </p:cNvSpPr>
+          <p:nvPr>
+            <p:ph idx="1"/>
+          </p:nvPr>
+        </p:nvSpPr>
+        <p:spPr/>
+        <p:txBody>
+          <a:bodyPr/>
+          <a:lstStyle/>
+          <a:p>
+            <a:endParaRPr lang="en-US" dirty="0"/>
+          </a:p>
+        </p:txBody>
+      </p:sp>
+    </p:spTree>
+    <p:extLst>
+      <p:ext uri="{BB962C8B-B14F-4D97-AF65-F5344CB8AC3E}">
+        <p14:creationId xmlns:p14="http://schemas.microsoft.com/office/powerpoint/2010/main" val="3961645006"/>
+      </p:ext>
+    </p:extLst>
+  </p:cSld>
+  <p:clrMapOvr>
+    <a:masterClrMapping/>
+  </p:clrMapOvr>
+</p:sld>
+</file>
+
+<file path=ppt/slides/slide12.xml><?xml version="1.0" encoding="utf-8"?>
+<p:sld xmlns:a="http://schemas.openxmlformats.org/drawingml/2006/main" xmlns:r="http://schemas.openxmlformats.org/officeDocument/2006/relationships" xmlns:p="http://schemas.openxmlformats.org/presentationml/2006/main">
+  <p:cSld>
+    <p:spTree>
+      <p:nvGrpSpPr>
+        <p:cNvPr id="1" name=""/>
+        <p:cNvGrpSpPr/>
+        <p:nvPr/>
+      </p:nvGrpSpPr>
+      <p:grpSpPr>
+        <a:xfrm>
+          <a:off x="0" y="0"/>
+          <a:ext cx="0" cy="0"/>
+          <a:chOff x="0" y="0"/>
+          <a:chExt cx="0" cy="0"/>
+        </a:xfrm>
+      </p:grpSpPr>
+      <p:sp>
+        <p:nvSpPr>
+          <p:cNvPr id="2" name="Title 1">
+            <a:extLst>
+              <a:ext uri="{FF2B5EF4-FFF2-40B4-BE49-F238E27FC236}">
+                <a16:creationId xmlns:a16="http://schemas.microsoft.com/office/drawing/2014/main" id="{1AE67C95-A1CD-44F8-99D2-4640264C88CA}"/>
+              </a:ext>
+            </a:extLst>
+          </p:cNvPr>
+          <p:cNvSpPr>
+            <a:spLocks noGrp="1"/>
+          </p:cNvSpPr>
+          <p:nvPr>
+            <p:ph type="title"/>
+          </p:nvPr>
+        </p:nvSpPr>
+        <p:spPr/>
+        <p:txBody>
+          <a:bodyPr/>
+          <a:lstStyle/>
+          <a:p>
+            <a:r>
+              <a:rPr lang="en-US" dirty="0"/>
               <a:t>Paper 3</a:t>
             </a:r>
           </a:p>
@@ -4514,62 +4702,69 @@
         <p:spPr/>
         <p:txBody>
           <a:bodyPr>
-            <a:normAutofit fontScale="92500" lnSpcReduction="20000"/>
+            <a:normAutofit/>
           </a:bodyPr>
           <a:lstStyle/>
           <a:p>
             <a:r>
               <a:rPr lang="en-US" dirty="0"/>
-              <a:t>Keyword: “biomedical entity normalization”</a:t>
-            </a:r>
+              <a:t>Researched Biomedical Domain NER Papers List</a:t>
+            </a:r>
+          </a:p>
+          <a:p>
+            <a:endParaRPr lang="en-US" dirty="0"/>
           </a:p>
           <a:p>
             <a:r>
               <a:rPr lang="en-US" dirty="0"/>
-              <a:t>0-An ensemble CNN method for biomedical entity normalization </a:t>
-            </a:r>
+              <a:t>Researched Habitats Domain NER Papers List</a:t>
+            </a:r>
+          </a:p>
+          <a:p>
+            <a:endParaRPr lang="en-US" dirty="0"/>
           </a:p>
           <a:p>
             <a:r>
               <a:rPr lang="en-US" dirty="0"/>
-              <a:t>1-CNN-based ranking for biomedical entity normalization</a:t>
-            </a:r>
-          </a:p>
-          <a:p>
+              <a:t>Fused List</a:t>
+            </a:r>
+          </a:p>
+          <a:p>
+            <a:pPr lvl="1"/>
             <a:r>
               <a:rPr lang="en-US" dirty="0"/>
-              <a:t>2-NERBio: using selected word conjunctions, term normalization, and global patterns to improve biomedical named entity recognition</a:t>
-            </a:r>
-          </a:p>
-          <a:p>
+              <a:t>Ease in Implementation</a:t>
+            </a:r>
+          </a:p>
+          <a:p>
+            <a:pPr lvl="1"/>
             <a:r>
               <a:rPr lang="en-US" dirty="0"/>
-              <a:t>3-Unsupervised gene/protein named entity normalization using automatically extracted dictionaries </a:t>
-            </a:r>
-          </a:p>
-          <a:p>
-            <a:r>
-              <a:rPr lang="en-US" dirty="0"/>
-              <a:t>4-OrganismTagger: detection, normalization and grounding of organism entities in biomedical documents</a:t>
-            </a:r>
-          </a:p>
-          <a:p>
-            <a:r>
-              <a:rPr lang="en-US" dirty="0"/>
-              <a:t>5-Normalizing biomedical terms by minimizing ambiguity and variability</a:t>
-            </a:r>
-          </a:p>
-          <a:p>
-            <a:r>
-              <a:rPr lang="en-US" dirty="0"/>
-              <a:t>6-A method for named entity normalization in biomedical articles: application to diseases and plants</a:t>
-            </a:r>
-          </a:p>
-          <a:p>
-            <a:r>
-              <a:rPr lang="en-US" dirty="0"/>
-              <a:t>7-DNorm: disease name normalization with pairwise learning to rank</a:t>
-            </a:r>
+              <a:t>Computational Concerns</a:t>
+            </a:r>
+          </a:p>
+          <a:p>
+            <a:pPr lvl="1"/>
+            <a:r>
+              <a:rPr lang="en-US"/>
+              <a:t>Closeness</a:t>
+            </a:r>
+            <a:endParaRPr lang="en-US" dirty="0"/>
+          </a:p>
+          <a:p>
+            <a:endParaRPr lang="en-US" dirty="0"/>
+          </a:p>
+          <a:p>
+            <a:endParaRPr lang="en-US" dirty="0"/>
+          </a:p>
+          <a:p>
+            <a:endParaRPr lang="en-US" dirty="0"/>
+          </a:p>
+          <a:p>
+            <a:pPr marL="0" indent="0">
+              <a:buNone/>
+            </a:pPr>
+            <a:endParaRPr lang="en-US" dirty="0"/>
           </a:p>
         </p:txBody>
       </p:sp>
@@ -4626,7 +4821,7 @@
           <a:p>
             <a:r>
               <a:rPr lang="en-US" dirty="0"/>
-              <a:t>Paper 1</a:t>
+              <a:t>Biomedical Domain NER Papers</a:t>
             </a:r>
           </a:p>
         </p:txBody>
@@ -4649,8 +4844,64 @@
         </p:nvSpPr>
         <p:spPr/>
         <p:txBody>
-          <a:bodyPr/>
-          <a:lstStyle/>
+          <a:bodyPr>
+            <a:normAutofit fontScale="92500" lnSpcReduction="20000"/>
+          </a:bodyPr>
+          <a:lstStyle/>
+          <a:p>
+            <a:r>
+              <a:rPr lang="en-US" dirty="0"/>
+              <a:t>Keyword: “biomedical entity normalization”</a:t>
+            </a:r>
+          </a:p>
+          <a:p>
+            <a:r>
+              <a:rPr lang="en-US" dirty="0"/>
+              <a:t>0-An ensemble CNN method for biomedical entity normalization </a:t>
+            </a:r>
+          </a:p>
+          <a:p>
+            <a:r>
+              <a:rPr lang="en-US" dirty="0"/>
+              <a:t>1-CNN-based ranking for biomedical entity normalization</a:t>
+            </a:r>
+          </a:p>
+          <a:p>
+            <a:r>
+              <a:rPr lang="en-US" dirty="0"/>
+              <a:t>2-NERBio: using selected word conjunctions, term normalization, and global patterns to improve biomedical named entity recognition</a:t>
+            </a:r>
+          </a:p>
+          <a:p>
+            <a:r>
+              <a:rPr lang="en-US" dirty="0"/>
+              <a:t>3-Unsupervised gene/protein named entity normalization using automatically extracted dictionaries </a:t>
+            </a:r>
+          </a:p>
+          <a:p>
+            <a:r>
+              <a:rPr lang="en-US" dirty="0"/>
+              <a:t>4-OrganismTagger: detection, normalization and grounding of organism entities in biomedical documents</a:t>
+            </a:r>
+          </a:p>
+          <a:p>
+            <a:r>
+              <a:rPr lang="en-US" dirty="0"/>
+              <a:t>5-Normalizing biomedical terms by minimizing ambiguity and variability</a:t>
+            </a:r>
+          </a:p>
+          <a:p>
+            <a:r>
+              <a:rPr lang="en-US" dirty="0"/>
+              <a:t>6-A method for named entity normalization in biomedical articles: application to diseases and plants</a:t>
+            </a:r>
+          </a:p>
+          <a:p>
+            <a:r>
+              <a:rPr lang="en-US" dirty="0"/>
+              <a:t>7-DNorm: disease name normalization with pairwise learning to rank</a:t>
+            </a:r>
+          </a:p>
           <a:p>
             <a:endParaRPr lang="en-US" dirty="0"/>
           </a:p>
@@ -4709,7 +4960,7 @@
           <a:p>
             <a:r>
               <a:rPr lang="en-US" dirty="0"/>
-              <a:t>Paper 2</a:t>
+              <a:t>Habitats Domain NER Papers</a:t>
             </a:r>
           </a:p>
         </p:txBody>
@@ -4742,7 +4993,7 @@
     </p:spTree>
     <p:extLst>
       <p:ext uri="{BB962C8B-B14F-4D97-AF65-F5344CB8AC3E}">
-        <p14:creationId xmlns:p14="http://schemas.microsoft.com/office/powerpoint/2010/main" val="3961645006"/>
+        <p14:creationId xmlns:p14="http://schemas.microsoft.com/office/powerpoint/2010/main" val="3253675657"/>
       </p:ext>
     </p:extLst>
   </p:cSld>

--- a/Slides/Can Deveci.pptx
+++ b/Slides/Can Deveci.pptx
@@ -12,11 +12,13 @@
     <p:sldId id="264" r:id="rId6"/>
     <p:sldId id="266" r:id="rId7"/>
     <p:sldId id="257" r:id="rId8"/>
-    <p:sldId id="258" r:id="rId9"/>
-    <p:sldId id="268" r:id="rId10"/>
-    <p:sldId id="267" r:id="rId11"/>
-    <p:sldId id="259" r:id="rId12"/>
-    <p:sldId id="260" r:id="rId13"/>
+    <p:sldId id="267" r:id="rId9"/>
+    <p:sldId id="260" r:id="rId10"/>
+    <p:sldId id="259" r:id="rId11"/>
+    <p:sldId id="270" r:id="rId12"/>
+    <p:sldId id="268" r:id="rId13"/>
+    <p:sldId id="258" r:id="rId14"/>
+    <p:sldId id="269" r:id="rId15"/>
   </p:sldIdLst>
   <p:sldSz cx="12192000" cy="6858000"/>
   <p:notesSz cx="6858000" cy="9144000"/>
@@ -349,7 +351,7 @@
           <a:p>
             <a:fld id="{BAAFB08A-6EA4-4239-B3C7-558C59471976}" type="datetimeFigureOut">
               <a:rPr lang="en-US" smtClean="0"/>
-              <a:t>5/9/2020</a:t>
+              <a:t>5/10/2020</a:t>
             </a:fld>
             <a:endParaRPr lang="en-US"/>
           </a:p>
@@ -557,7 +559,7 @@
           <a:p>
             <a:fld id="{BAAFB08A-6EA4-4239-B3C7-558C59471976}" type="datetimeFigureOut">
               <a:rPr lang="en-US" smtClean="0"/>
-              <a:t>5/9/2020</a:t>
+              <a:t>5/10/2020</a:t>
             </a:fld>
             <a:endParaRPr lang="en-US"/>
           </a:p>
@@ -813,7 +815,7 @@
           <a:p>
             <a:fld id="{BAAFB08A-6EA4-4239-B3C7-558C59471976}" type="datetimeFigureOut">
               <a:rPr lang="en-US" smtClean="0"/>
-              <a:t>5/9/2020</a:t>
+              <a:t>5/10/2020</a:t>
             </a:fld>
             <a:endParaRPr lang="en-US"/>
           </a:p>
@@ -987,7 +989,7 @@
           <a:p>
             <a:fld id="{BAAFB08A-6EA4-4239-B3C7-558C59471976}" type="datetimeFigureOut">
               <a:rPr lang="en-US" smtClean="0"/>
-              <a:t>5/9/2020</a:t>
+              <a:t>5/10/2020</a:t>
             </a:fld>
             <a:endParaRPr lang="en-US"/>
           </a:p>
@@ -1330,7 +1332,7 @@
           <a:p>
             <a:fld id="{BAAFB08A-6EA4-4239-B3C7-558C59471976}" type="datetimeFigureOut">
               <a:rPr lang="en-US" smtClean="0"/>
-              <a:t>5/9/2020</a:t>
+              <a:t>5/10/2020</a:t>
             </a:fld>
             <a:endParaRPr lang="en-US"/>
           </a:p>
@@ -1605,7 +1607,7 @@
           <a:p>
             <a:fld id="{BAAFB08A-6EA4-4239-B3C7-558C59471976}" type="datetimeFigureOut">
               <a:rPr lang="en-US" smtClean="0"/>
-              <a:t>5/9/2020</a:t>
+              <a:t>5/10/2020</a:t>
             </a:fld>
             <a:endParaRPr lang="en-US"/>
           </a:p>
@@ -1984,7 +1986,7 @@
           <a:p>
             <a:fld id="{BAAFB08A-6EA4-4239-B3C7-558C59471976}" type="datetimeFigureOut">
               <a:rPr lang="en-US" smtClean="0"/>
-              <a:t>5/9/2020</a:t>
+              <a:t>5/10/2020</a:t>
             </a:fld>
             <a:endParaRPr lang="en-US"/>
           </a:p>
@@ -2102,7 +2104,7 @@
           <a:p>
             <a:fld id="{BAAFB08A-6EA4-4239-B3C7-558C59471976}" type="datetimeFigureOut">
               <a:rPr lang="en-US" smtClean="0"/>
-              <a:t>5/9/2020</a:t>
+              <a:t>5/10/2020</a:t>
             </a:fld>
             <a:endParaRPr lang="en-US"/>
           </a:p>
@@ -2273,7 +2275,7 @@
           <a:p>
             <a:fld id="{BAAFB08A-6EA4-4239-B3C7-558C59471976}" type="datetimeFigureOut">
               <a:rPr lang="en-US" smtClean="0"/>
-              <a:t>5/9/2020</a:t>
+              <a:t>5/10/2020</a:t>
             </a:fld>
             <a:endParaRPr lang="en-US"/>
           </a:p>
@@ -2627,7 +2629,7 @@
           <a:p>
             <a:fld id="{BAAFB08A-6EA4-4239-B3C7-558C59471976}" type="datetimeFigureOut">
               <a:rPr lang="en-US" smtClean="0"/>
-              <a:t>5/9/2020</a:t>
+              <a:t>5/10/2020</a:t>
             </a:fld>
             <a:endParaRPr lang="en-US"/>
           </a:p>
@@ -3009,7 +3011,7 @@
           <a:p>
             <a:fld id="{BAAFB08A-6EA4-4239-B3C7-558C59471976}" type="datetimeFigureOut">
               <a:rPr lang="en-US" smtClean="0"/>
-              <a:t>5/9/2020</a:t>
+              <a:t>5/10/2020</a:t>
             </a:fld>
             <a:endParaRPr lang="en-US"/>
           </a:p>
@@ -3296,7 +3298,7 @@
           <a:p>
             <a:fld id="{BAAFB08A-6EA4-4239-B3C7-558C59471976}" type="datetimeFigureOut">
               <a:rPr lang="en-US" smtClean="0"/>
-              <a:t>5/9/2020</a:t>
+              <a:t>5/10/2020</a:t>
             </a:fld>
             <a:endParaRPr lang="en-US"/>
           </a:p>
@@ -3975,7 +3977,7 @@
           <a:p>
             <a:r>
               <a:rPr lang="en-US" dirty="0"/>
-              <a:t>Paper 1</a:t>
+              <a:t>Paper 3 [2]</a:t>
             </a:r>
           </a:p>
         </p:txBody>
@@ -3996,39 +3998,162 @@
             <p:ph idx="1"/>
           </p:nvPr>
         </p:nvSpPr>
-        <p:spPr/>
-        <p:txBody>
-          <a:bodyPr/>
-          <a:lstStyle/>
-          <a:p>
-            <a:r>
-              <a:rPr lang="en-US" dirty="0"/>
-              <a:t>5 Key Ideas that can be </a:t>
+        <p:spPr>
+          <a:xfrm>
+            <a:off x="1123914" y="1845734"/>
+            <a:ext cx="10058400" cy="4023360"/>
+          </a:xfrm>
+        </p:spPr>
+        <p:txBody>
+          <a:bodyPr>
+            <a:normAutofit/>
+          </a:bodyPr>
+          <a:lstStyle/>
+          <a:p>
+            <a:pPr>
+              <a:buFont typeface="Wingdings" panose="05000000000000000000" pitchFamily="2" charset="2"/>
+              <a:buChar char="Ø"/>
+            </a:pPr>
+            <a:r>
+              <a:rPr lang="en-US" dirty="0"/>
+              <a:t>Conditional Random Field (CRF) based classifier [2]</a:t>
+            </a:r>
+          </a:p>
+          <a:p>
+            <a:pPr lvl="1">
+              <a:buFont typeface="Wingdings" panose="05000000000000000000" pitchFamily="2" charset="2"/>
+              <a:buChar char="Ø"/>
+            </a:pPr>
+            <a:r>
+              <a:rPr lang="en-US" dirty="0"/>
+              <a:t>a type of discriminative and undirected probabilities graphical models often used for tagging sequential data and in named entity recognition in natural language processing and biology domains</a:t>
+            </a:r>
+          </a:p>
+          <a:p>
+            <a:pPr>
+              <a:buFont typeface="Wingdings" panose="05000000000000000000" pitchFamily="2" charset="2"/>
+              <a:buChar char="Ø"/>
+            </a:pPr>
+            <a:r>
+              <a:rPr lang="en-US" dirty="0"/>
+              <a:t>Features for the CRF model</a:t>
+            </a:r>
+          </a:p>
+          <a:p>
+            <a:pPr lvl="1">
+              <a:buFont typeface="Wingdings" panose="05000000000000000000" pitchFamily="2" charset="2"/>
+              <a:buChar char="Ø"/>
+            </a:pPr>
+            <a:r>
+              <a:rPr lang="en-US" dirty="0"/>
+              <a:t>Lexical features such as current word, its root, its POS tag etc. </a:t>
             </a:r>
             <a:r>
               <a:rPr lang="en-US" dirty="0" err="1"/>
-              <a:t>exploitet</a:t>
-            </a:r>
-            <a:r>
-              <a:rPr lang="en-US" dirty="0"/>
-              <a:t> from 5 Papers</a:t>
-            </a:r>
-          </a:p>
-          <a:p>
+              <a:t>GeniaTagger</a:t>
+            </a:r>
+            <a:r>
+              <a:rPr lang="en-US" dirty="0"/>
+              <a:t> [16] may be used.</a:t>
+            </a:r>
+          </a:p>
+          <a:p>
+            <a:pPr lvl="1">
+              <a:buFont typeface="Wingdings" panose="05000000000000000000" pitchFamily="2" charset="2"/>
+              <a:buChar char="Ø"/>
+            </a:pPr>
+            <a:r>
+              <a:rPr lang="en-US" dirty="0"/>
+              <a:t>Orthographic features: substring and word form features</a:t>
+            </a:r>
+          </a:p>
+          <a:p>
+            <a:pPr lvl="2">
+              <a:buFont typeface="Wingdings" panose="05000000000000000000" pitchFamily="2" charset="2"/>
+              <a:buChar char="Ø"/>
+            </a:pPr>
+            <a:r>
+              <a:rPr lang="en-US" dirty="0"/>
+              <a:t>Substring features: first two &amp; four characters and the last two &amp; four characters of the original word and the word form are chosen as features</a:t>
+            </a:r>
+          </a:p>
+          <a:p>
+            <a:pPr lvl="3">
+              <a:buFont typeface="Wingdings" panose="05000000000000000000" pitchFamily="2" charset="2"/>
+              <a:buChar char="Ø"/>
+            </a:pPr>
+            <a:r>
+              <a:rPr lang="en-US" dirty="0"/>
+              <a:t>this was already mentioned in the lectures, using first k chars may work better than hard lemmatization</a:t>
+            </a:r>
+          </a:p>
+          <a:p>
+            <a:pPr lvl="2">
+              <a:buFont typeface="Wingdings" panose="05000000000000000000" pitchFamily="2" charset="2"/>
+              <a:buChar char="Ø"/>
+            </a:pPr>
+            <a:r>
+              <a:rPr lang="en-US" dirty="0"/>
+              <a:t>Word form features: case-folding and/or normalizing all numbers to ‘0’</a:t>
+            </a:r>
+          </a:p>
+          <a:p>
+            <a:pPr lvl="1">
+              <a:buFont typeface="Wingdings" panose="05000000000000000000" pitchFamily="2" charset="2"/>
+              <a:buChar char="Ø"/>
+            </a:pPr>
+            <a:r>
+              <a:rPr lang="en-US" dirty="0"/>
+              <a:t>Dictionary features: binary features to indicate </a:t>
+            </a:r>
+          </a:p>
+          <a:p>
+            <a:pPr lvl="2">
+              <a:buFont typeface="Wingdings" panose="05000000000000000000" pitchFamily="2" charset="2"/>
+              <a:buChar char="Ø"/>
+            </a:pPr>
+            <a:r>
+              <a:rPr lang="en-US" dirty="0"/>
+              <a:t>the presence of the word in the dictionary</a:t>
+            </a:r>
+          </a:p>
+          <a:p>
+            <a:pPr lvl="2">
+              <a:buFont typeface="Wingdings" panose="05000000000000000000" pitchFamily="2" charset="2"/>
+              <a:buChar char="Ø"/>
+            </a:pPr>
+            <a:r>
+              <a:rPr lang="en-US" dirty="0"/>
+              <a:t>the position of the word within any dictionary entries</a:t>
+            </a:r>
+          </a:p>
+          <a:p>
+            <a:pPr>
+              <a:buFont typeface="Wingdings" panose="05000000000000000000" pitchFamily="2" charset="2"/>
+              <a:buChar char="Ø"/>
+            </a:pPr>
             <a:endParaRPr lang="en-US" dirty="0"/>
           </a:p>
           <a:p>
-            <a:r>
-              <a:rPr lang="en-US" dirty="0"/>
-              <a:t>Accounted practical aspects/ease of implementation in ranking</a:t>
-            </a:r>
+            <a:pPr>
+              <a:buFont typeface="Wingdings" panose="05000000000000000000" pitchFamily="2" charset="2"/>
+              <a:buChar char="Ø"/>
+            </a:pPr>
+            <a:endParaRPr lang="en-US" dirty="0"/>
+          </a:p>
+          <a:p>
+            <a:pPr>
+              <a:buFont typeface="Wingdings" panose="05000000000000000000" pitchFamily="2" charset="2"/>
+              <a:buChar char="Ø"/>
+            </a:pPr>
+            <a:endParaRPr lang="en-US" dirty="0"/>
           </a:p>
         </p:txBody>
       </p:sp>
     </p:spTree>
     <p:extLst>
       <p:ext uri="{BB962C8B-B14F-4D97-AF65-F5344CB8AC3E}">
-        <p14:creationId xmlns:p14="http://schemas.microsoft.com/office/powerpoint/2010/main" val="2681154579"/>
+        <p14:creationId xmlns:p14="http://schemas.microsoft.com/office/powerpoint/2010/main" val="3961645006"/>
       </p:ext>
     </p:extLst>
   </p:cSld>
@@ -4078,7 +4203,7 @@
           <a:p>
             <a:r>
               <a:rPr lang="en-US" dirty="0"/>
-              <a:t>Paper 2</a:t>
+              <a:t>Idea 3</a:t>
             </a:r>
           </a:p>
         </p:txBody>
@@ -4099,19 +4224,155 @@
             <p:ph idx="1"/>
           </p:nvPr>
         </p:nvSpPr>
-        <p:spPr/>
-        <p:txBody>
-          <a:bodyPr/>
-          <a:lstStyle/>
-          <a:p>
+        <p:spPr>
+          <a:xfrm>
+            <a:off x="1123914" y="1845734"/>
+            <a:ext cx="10058400" cy="4023360"/>
+          </a:xfrm>
+        </p:spPr>
+        <p:txBody>
+          <a:bodyPr/>
+          <a:lstStyle/>
+          <a:p>
+            <a:pPr>
+              <a:buFont typeface="Wingdings" panose="05000000000000000000" pitchFamily="2" charset="2"/>
+              <a:buChar char="Ø"/>
+            </a:pPr>
+            <a:r>
+              <a:rPr lang="en-US" dirty="0"/>
+              <a:t>Authors originally used Mallet (a Java implementation)</a:t>
+            </a:r>
+          </a:p>
+          <a:p>
+            <a:pPr lvl="1">
+              <a:buFont typeface="Wingdings" panose="05000000000000000000" pitchFamily="2" charset="2"/>
+              <a:buChar char="Ø"/>
+            </a:pPr>
+            <a:r>
+              <a:rPr lang="en-US" dirty="0"/>
+              <a:t>We may change toolkit or implementation</a:t>
+            </a:r>
+          </a:p>
+          <a:p>
+            <a:pPr lvl="2">
+              <a:buFont typeface="Wingdings" panose="05000000000000000000" pitchFamily="2" charset="2"/>
+              <a:buChar char="Ø"/>
+            </a:pPr>
+            <a:r>
+              <a:rPr lang="en-US" dirty="0"/>
+              <a:t>For Python implementation (</a:t>
+            </a:r>
+            <a:r>
+              <a:rPr lang="en-US" dirty="0">
+                <a:hlinkClick r:id="rId2"/>
+              </a:rPr>
+              <a:t>https://github.com/TurkuNLP/BHE</a:t>
+            </a:r>
+            <a:r>
+              <a:rPr lang="en-US" dirty="0"/>
+              <a:t>) [3]</a:t>
+            </a:r>
+          </a:p>
+          <a:p>
+            <a:pPr>
+              <a:buFont typeface="Wingdings" panose="05000000000000000000" pitchFamily="2" charset="2"/>
+              <a:buChar char="Ø"/>
+            </a:pPr>
+            <a:r>
+              <a:rPr lang="en-US" dirty="0"/>
+              <a:t>Or, Employing a hybrid (rule-based &amp; ML based) structure such as</a:t>
+            </a:r>
+          </a:p>
+          <a:p>
+            <a:pPr marL="0" indent="0">
+              <a:buNone/>
+            </a:pPr>
             <a:endParaRPr lang="en-US" dirty="0"/>
+          </a:p>
+          <a:p>
+            <a:pPr>
+              <a:buFont typeface="Wingdings" panose="05000000000000000000" pitchFamily="2" charset="2"/>
+              <a:buChar char="Ø"/>
+            </a:pPr>
+            <a:endParaRPr lang="en-US" dirty="0"/>
+          </a:p>
+        </p:txBody>
+      </p:sp>
+      <p:pic>
+        <p:nvPicPr>
+          <p:cNvPr id="5" name="Picture 4" descr="A screenshot of a cell phone&#10;&#10;Description automatically generated">
+            <a:extLst>
+              <a:ext uri="{FF2B5EF4-FFF2-40B4-BE49-F238E27FC236}">
+                <a16:creationId xmlns:a16="http://schemas.microsoft.com/office/drawing/2014/main" id="{87C1A125-EF57-4952-BC9C-F31EF681EC48}"/>
+              </a:ext>
+            </a:extLst>
+          </p:cNvPr>
+          <p:cNvPicPr>
+            <a:picLocks noChangeAspect="1"/>
+          </p:cNvPicPr>
+          <p:nvPr/>
+        </p:nvPicPr>
+        <p:blipFill>
+          <a:blip r:embed="rId3">
+            <a:extLst>
+              <a:ext uri="{28A0092B-C50C-407E-A947-70E740481C1C}">
+                <a14:useLocalDpi xmlns:a14="http://schemas.microsoft.com/office/drawing/2010/main" val="0"/>
+              </a:ext>
+            </a:extLst>
+          </a:blip>
+          <a:stretch>
+            <a:fillRect/>
+          </a:stretch>
+        </p:blipFill>
+        <p:spPr>
+          <a:xfrm>
+            <a:off x="4095808" y="3429000"/>
+            <a:ext cx="4000383" cy="1944064"/>
+          </a:xfrm>
+          <a:prstGeom prst="rect">
+            <a:avLst/>
+          </a:prstGeom>
+        </p:spPr>
+      </p:pic>
+      <p:sp>
+        <p:nvSpPr>
+          <p:cNvPr id="6" name="TextBox 5">
+            <a:extLst>
+              <a:ext uri="{FF2B5EF4-FFF2-40B4-BE49-F238E27FC236}">
+                <a16:creationId xmlns:a16="http://schemas.microsoft.com/office/drawing/2014/main" id="{62669D48-87B0-479D-BB09-C6C8DA9C9106}"/>
+              </a:ext>
+            </a:extLst>
+          </p:cNvPr>
+          <p:cNvSpPr txBox="1"/>
+          <p:nvPr/>
+        </p:nvSpPr>
+        <p:spPr>
+          <a:xfrm>
+            <a:off x="4016404" y="5684428"/>
+            <a:ext cx="4273420" cy="369332"/>
+          </a:xfrm>
+          <a:prstGeom prst="rect">
+            <a:avLst/>
+          </a:prstGeom>
+          <a:noFill/>
+        </p:spPr>
+        <p:txBody>
+          <a:bodyPr wrap="square" rtlCol="0">
+            <a:spAutoFit/>
+          </a:bodyPr>
+          <a:lstStyle/>
+          <a:p>
+            <a:r>
+              <a:rPr lang="en-US" dirty="0"/>
+              <a:t>Figure 1: Model Architecture Overview [10]</a:t>
+            </a:r>
           </a:p>
         </p:txBody>
       </p:sp>
     </p:spTree>
     <p:extLst>
       <p:ext uri="{BB962C8B-B14F-4D97-AF65-F5344CB8AC3E}">
-        <p14:creationId xmlns:p14="http://schemas.microsoft.com/office/powerpoint/2010/main" val="3961645006"/>
+        <p14:creationId xmlns:p14="http://schemas.microsoft.com/office/powerpoint/2010/main" val="1681752084"/>
       </p:ext>
     </p:extLst>
   </p:cSld>
@@ -4161,7 +4422,7 @@
           <a:p>
             <a:r>
               <a:rPr lang="en-US" dirty="0"/>
-              <a:t>Paper 3</a:t>
+              <a:t>Habitats Domain NE Normalization Papers</a:t>
             </a:r>
           </a:p>
         </p:txBody>
@@ -4187,14 +4448,356 @@
           <a:bodyPr/>
           <a:lstStyle/>
           <a:p>
-            <a:endParaRPr lang="en-US" dirty="0"/>
+            <a:pPr>
+              <a:buFont typeface="Wingdings" panose="05000000000000000000" pitchFamily="2" charset="2"/>
+              <a:buChar char="Ø"/>
+            </a:pPr>
+            <a:r>
+              <a:rPr lang="en-US" dirty="0"/>
+              <a:t>[1] A dictionary- and rule-based system for identification of bacteria and habitats in text</a:t>
+            </a:r>
+          </a:p>
+          <a:p>
+            <a:pPr>
+              <a:buFont typeface="Wingdings" panose="05000000000000000000" pitchFamily="2" charset="2"/>
+              <a:buChar char="Ø"/>
+            </a:pPr>
+            <a:r>
+              <a:rPr lang="en-US" dirty="0"/>
+              <a:t>[2] Automatic extraction of microorganisms and their habitats from free text using text mining workflows</a:t>
+            </a:r>
+          </a:p>
+          <a:p>
+            <a:pPr>
+              <a:buFont typeface="Wingdings" panose="05000000000000000000" pitchFamily="2" charset="2"/>
+              <a:buChar char="Ø"/>
+            </a:pPr>
+            <a:r>
+              <a:rPr lang="en-US" dirty="0"/>
+              <a:t>[3] Detection and categorization of bacteria habitats using shallow linguistic analysis</a:t>
+            </a:r>
+          </a:p>
+          <a:p>
+            <a:pPr>
+              <a:buFont typeface="Wingdings" panose="05000000000000000000" pitchFamily="2" charset="2"/>
+              <a:buChar char="Ø"/>
+            </a:pPr>
+            <a:r>
+              <a:rPr lang="en-US" dirty="0"/>
+              <a:t>[4] End-to-End System for Bacteria Habitat Extraction</a:t>
+            </a:r>
+          </a:p>
+          <a:p>
+            <a:pPr>
+              <a:buFont typeface="Wingdings" panose="05000000000000000000" pitchFamily="2" charset="2"/>
+              <a:buChar char="Ø"/>
+            </a:pPr>
+            <a:r>
+              <a:rPr lang="en-US" dirty="0"/>
+              <a:t>[5] Linking entities through an ontology using word embeddings and syntactic re-ranking</a:t>
+            </a:r>
           </a:p>
         </p:txBody>
       </p:sp>
     </p:spTree>
     <p:extLst>
       <p:ext uri="{BB962C8B-B14F-4D97-AF65-F5344CB8AC3E}">
-        <p14:creationId xmlns:p14="http://schemas.microsoft.com/office/powerpoint/2010/main" val="796136031"/>
+        <p14:creationId xmlns:p14="http://schemas.microsoft.com/office/powerpoint/2010/main" val="3253675657"/>
+      </p:ext>
+    </p:extLst>
+  </p:cSld>
+  <p:clrMapOvr>
+    <a:masterClrMapping/>
+  </p:clrMapOvr>
+</p:sld>
+</file>
+
+<file path=ppt/slides/slide13.xml><?xml version="1.0" encoding="utf-8"?>
+<p:sld xmlns:a="http://schemas.openxmlformats.org/drawingml/2006/main" xmlns:r="http://schemas.openxmlformats.org/officeDocument/2006/relationships" xmlns:p="http://schemas.openxmlformats.org/presentationml/2006/main">
+  <p:cSld>
+    <p:spTree>
+      <p:nvGrpSpPr>
+        <p:cNvPr id="1" name=""/>
+        <p:cNvGrpSpPr/>
+        <p:nvPr/>
+      </p:nvGrpSpPr>
+      <p:grpSpPr>
+        <a:xfrm>
+          <a:off x="0" y="0"/>
+          <a:ext cx="0" cy="0"/>
+          <a:chOff x="0" y="0"/>
+          <a:chExt cx="0" cy="0"/>
+        </a:xfrm>
+      </p:grpSpPr>
+      <p:sp>
+        <p:nvSpPr>
+          <p:cNvPr id="2" name="Title 1">
+            <a:extLst>
+              <a:ext uri="{FF2B5EF4-FFF2-40B4-BE49-F238E27FC236}">
+                <a16:creationId xmlns:a16="http://schemas.microsoft.com/office/drawing/2014/main" id="{1AE67C95-A1CD-44F8-99D2-4640264C88CA}"/>
+              </a:ext>
+            </a:extLst>
+          </p:cNvPr>
+          <p:cNvSpPr>
+            <a:spLocks noGrp="1"/>
+          </p:cNvSpPr>
+          <p:nvPr>
+            <p:ph type="title"/>
+          </p:nvPr>
+        </p:nvSpPr>
+        <p:spPr/>
+        <p:txBody>
+          <a:bodyPr/>
+          <a:lstStyle/>
+          <a:p>
+            <a:r>
+              <a:rPr lang="en-US" dirty="0"/>
+              <a:t>Biomedical Domain NE Normalization Papers</a:t>
+            </a:r>
+          </a:p>
+        </p:txBody>
+      </p:sp>
+      <p:sp>
+        <p:nvSpPr>
+          <p:cNvPr id="3" name="Content Placeholder 2">
+            <a:extLst>
+              <a:ext uri="{FF2B5EF4-FFF2-40B4-BE49-F238E27FC236}">
+                <a16:creationId xmlns:a16="http://schemas.microsoft.com/office/drawing/2014/main" id="{3B9B51B1-383B-4A8B-9C5B-9FD704B0BC1B}"/>
+              </a:ext>
+            </a:extLst>
+          </p:cNvPr>
+          <p:cNvSpPr>
+            <a:spLocks noGrp="1"/>
+          </p:cNvSpPr>
+          <p:nvPr>
+            <p:ph idx="1"/>
+          </p:nvPr>
+        </p:nvSpPr>
+        <p:spPr/>
+        <p:txBody>
+          <a:bodyPr>
+            <a:normAutofit fontScale="70000" lnSpcReduction="20000"/>
+          </a:bodyPr>
+          <a:lstStyle/>
+          <a:p>
+            <a:pPr>
+              <a:buFont typeface="Wingdings" panose="05000000000000000000" pitchFamily="2" charset="2"/>
+              <a:buChar char="Ø"/>
+            </a:pPr>
+            <a:r>
+              <a:rPr lang="en-US" dirty="0"/>
+              <a:t>[6] A Survey on Recent Advances in Named Entity Recognition from Deep Learning models</a:t>
+            </a:r>
+          </a:p>
+          <a:p>
+            <a:pPr>
+              <a:buFont typeface="Wingdings" panose="05000000000000000000" pitchFamily="2" charset="2"/>
+              <a:buChar char="Ø"/>
+            </a:pPr>
+            <a:r>
+              <a:rPr lang="en-US" dirty="0"/>
+              <a:t>[7] Normalizing biomedical terms by minimizing ambiguity and variability</a:t>
+            </a:r>
+          </a:p>
+          <a:p>
+            <a:pPr>
+              <a:buFont typeface="Wingdings" panose="05000000000000000000" pitchFamily="2" charset="2"/>
+              <a:buChar char="Ø"/>
+            </a:pPr>
+            <a:r>
+              <a:rPr lang="en-US" dirty="0"/>
+              <a:t>[8] NERBio: using selected word conjunctions, term normalization, and global patterns to improve biomedical named entity recognition</a:t>
+            </a:r>
+          </a:p>
+          <a:p>
+            <a:pPr>
+              <a:buFont typeface="Wingdings" panose="05000000000000000000" pitchFamily="2" charset="2"/>
+              <a:buChar char="Ø"/>
+            </a:pPr>
+            <a:r>
+              <a:rPr lang="en-US" dirty="0"/>
+              <a:t>[9] A method for named entity normalization in biomedical articles application to diseases and plants</a:t>
+            </a:r>
+          </a:p>
+          <a:p>
+            <a:pPr>
+              <a:buFont typeface="Wingdings" panose="05000000000000000000" pitchFamily="2" charset="2"/>
+              <a:buChar char="Ø"/>
+            </a:pPr>
+            <a:r>
+              <a:rPr lang="en-US" dirty="0"/>
+              <a:t>[10] An ensemble CNN method for biomedical entity normalization</a:t>
+            </a:r>
+          </a:p>
+          <a:p>
+            <a:pPr>
+              <a:buFont typeface="Wingdings" panose="05000000000000000000" pitchFamily="2" charset="2"/>
+              <a:buChar char="Ø"/>
+            </a:pPr>
+            <a:r>
+              <a:rPr lang="en-US" dirty="0"/>
+              <a:t>[11] CNN-based ranking for biomedical entity normalization</a:t>
+            </a:r>
+          </a:p>
+          <a:p>
+            <a:pPr>
+              <a:buFont typeface="Wingdings" panose="05000000000000000000" pitchFamily="2" charset="2"/>
+              <a:buChar char="Ø"/>
+            </a:pPr>
+            <a:r>
+              <a:rPr lang="en-US" dirty="0"/>
+              <a:t>[12] DNorm disease name normalization with pairwise learning to rank</a:t>
+            </a:r>
+          </a:p>
+          <a:p>
+            <a:pPr>
+              <a:buFont typeface="Wingdings" panose="05000000000000000000" pitchFamily="2" charset="2"/>
+              <a:buChar char="Ø"/>
+            </a:pPr>
+            <a:r>
+              <a:rPr lang="en-US" dirty="0"/>
+              <a:t>[13] OrganismTagger detection, normalization and grounding of organism entities in biomedical documents</a:t>
+            </a:r>
+          </a:p>
+          <a:p>
+            <a:pPr>
+              <a:buFont typeface="Wingdings" panose="05000000000000000000" pitchFamily="2" charset="2"/>
+              <a:buChar char="Ø"/>
+            </a:pPr>
+            <a:r>
+              <a:rPr lang="en-US" dirty="0"/>
+              <a:t>[14] Unsupervised </a:t>
+            </a:r>
+            <a:r>
+              <a:rPr lang="en-US" dirty="0" err="1"/>
+              <a:t>geneprotein</a:t>
+            </a:r>
+            <a:r>
+              <a:rPr lang="en-US" dirty="0"/>
+              <a:t> named entity normalization using automatically extracted dictionaries</a:t>
+            </a:r>
+          </a:p>
+          <a:p>
+            <a:pPr>
+              <a:buFont typeface="Wingdings" panose="05000000000000000000" pitchFamily="2" charset="2"/>
+              <a:buChar char="Ø"/>
+            </a:pPr>
+            <a:r>
+              <a:rPr lang="en-US" dirty="0"/>
+              <a:t>[15] A. K. McCallum. MALLET: A Machine Learning for Language Toolkit. http://mallet.cs.umass.edu, last accessed 08 July 2011.</a:t>
+            </a:r>
+          </a:p>
+          <a:p>
+            <a:pPr>
+              <a:buFont typeface="Wingdings" panose="05000000000000000000" pitchFamily="2" charset="2"/>
+              <a:buChar char="Ø"/>
+            </a:pPr>
+            <a:r>
+              <a:rPr lang="en-US" dirty="0"/>
+              <a:t>[16] </a:t>
+            </a:r>
+            <a:r>
+              <a:rPr lang="en-US" dirty="0" err="1"/>
+              <a:t>Tsuruoka</a:t>
+            </a:r>
+            <a:r>
+              <a:rPr lang="en-US" dirty="0"/>
+              <a:t>, and J. </a:t>
+            </a:r>
+            <a:r>
+              <a:rPr lang="en-US" dirty="0" err="1"/>
+              <a:t>Tsujii</a:t>
+            </a:r>
+            <a:r>
+              <a:rPr lang="en-US" dirty="0"/>
+              <a:t>. Bidirectional Inference with the Easiest-First Strategy for Tagging Sequence Data. In Proceedings of HLT/EMNLP, 2005.</a:t>
+            </a:r>
+          </a:p>
+          <a:p>
+            <a:pPr>
+              <a:buFont typeface="Wingdings" panose="05000000000000000000" pitchFamily="2" charset="2"/>
+              <a:buChar char="Ø"/>
+            </a:pPr>
+            <a:r>
+              <a:rPr lang="en-US" dirty="0"/>
+              <a:t>[17] Martin F Porter. 1980. An algorithm for suffix strip-ping.Program14(3):130–137.</a:t>
+            </a:r>
+          </a:p>
+          <a:p>
+            <a:endParaRPr lang="en-US" dirty="0"/>
+          </a:p>
+        </p:txBody>
+      </p:sp>
+    </p:spTree>
+    <p:extLst>
+      <p:ext uri="{BB962C8B-B14F-4D97-AF65-F5344CB8AC3E}">
+        <p14:creationId xmlns:p14="http://schemas.microsoft.com/office/powerpoint/2010/main" val="1452545530"/>
+      </p:ext>
+    </p:extLst>
+  </p:cSld>
+  <p:clrMapOvr>
+    <a:masterClrMapping/>
+  </p:clrMapOvr>
+</p:sld>
+</file>
+
+<file path=ppt/slides/slide14.xml><?xml version="1.0" encoding="utf-8"?>
+<p:sld xmlns:a="http://schemas.openxmlformats.org/drawingml/2006/main" xmlns:r="http://schemas.openxmlformats.org/officeDocument/2006/relationships" xmlns:p="http://schemas.openxmlformats.org/presentationml/2006/main">
+  <p:cSld>
+    <p:spTree>
+      <p:nvGrpSpPr>
+        <p:cNvPr id="1" name=""/>
+        <p:cNvGrpSpPr/>
+        <p:nvPr/>
+      </p:nvGrpSpPr>
+      <p:grpSpPr>
+        <a:xfrm>
+          <a:off x="0" y="0"/>
+          <a:ext cx="0" cy="0"/>
+          <a:chOff x="0" y="0"/>
+          <a:chExt cx="0" cy="0"/>
+        </a:xfrm>
+      </p:grpSpPr>
+      <p:sp>
+        <p:nvSpPr>
+          <p:cNvPr id="3" name="Content Placeholder 2">
+            <a:extLst>
+              <a:ext uri="{FF2B5EF4-FFF2-40B4-BE49-F238E27FC236}">
+                <a16:creationId xmlns:a16="http://schemas.microsoft.com/office/drawing/2014/main" id="{9C20B2DB-AEDF-4A5F-9A1C-27CDF1E2E13F}"/>
+              </a:ext>
+            </a:extLst>
+          </p:cNvPr>
+          <p:cNvSpPr>
+            <a:spLocks noGrp="1"/>
+          </p:cNvSpPr>
+          <p:nvPr>
+            <p:ph idx="1"/>
+          </p:nvPr>
+        </p:nvSpPr>
+        <p:spPr>
+          <a:xfrm>
+            <a:off x="1066800" y="3088608"/>
+            <a:ext cx="10058400" cy="1172674"/>
+          </a:xfrm>
+        </p:spPr>
+        <p:txBody>
+          <a:bodyPr>
+            <a:normAutofit lnSpcReduction="10000"/>
+          </a:bodyPr>
+          <a:lstStyle/>
+          <a:p>
+            <a:pPr algn="ctr"/>
+            <a:r>
+              <a:rPr lang="en-US" sz="8000" dirty="0"/>
+              <a:t>Thanks</a:t>
+            </a:r>
+          </a:p>
+        </p:txBody>
+      </p:sp>
+    </p:spTree>
+    <p:extLst>
+      <p:ext uri="{BB962C8B-B14F-4D97-AF65-F5344CB8AC3E}">
+        <p14:creationId xmlns:p14="http://schemas.microsoft.com/office/powerpoint/2010/main" val="2760861180"/>
       </p:ext>
     </p:extLst>
   </p:cSld>
@@ -4706,50 +5309,64 @@
           </a:bodyPr>
           <a:lstStyle/>
           <a:p>
+            <a:pPr>
+              <a:buFont typeface="Wingdings" panose="05000000000000000000" pitchFamily="2" charset="2"/>
+              <a:buChar char="Ø"/>
+            </a:pPr>
+            <a:r>
+              <a:rPr lang="en-US" dirty="0"/>
+              <a:t>Researched Habitats Domain NER Papers List</a:t>
+            </a:r>
+          </a:p>
+          <a:p>
+            <a:pPr>
+              <a:buFont typeface="Wingdings" panose="05000000000000000000" pitchFamily="2" charset="2"/>
+              <a:buChar char="Ø"/>
+            </a:pPr>
             <a:r>
               <a:rPr lang="en-US" dirty="0"/>
               <a:t>Researched Biomedical Domain NER Papers List</a:t>
             </a:r>
           </a:p>
           <a:p>
-            <a:endParaRPr lang="en-US" dirty="0"/>
-          </a:p>
-          <a:p>
-            <a:r>
-              <a:rPr lang="en-US" dirty="0"/>
-              <a:t>Researched Habitats Domain NER Papers List</a:t>
-            </a:r>
-          </a:p>
-          <a:p>
-            <a:endParaRPr lang="en-US" dirty="0"/>
-          </a:p>
-          <a:p>
+            <a:pPr>
+              <a:buFont typeface="Wingdings" panose="05000000000000000000" pitchFamily="2" charset="2"/>
+              <a:buChar char="Ø"/>
+            </a:pPr>
             <a:r>
               <a:rPr lang="en-US" dirty="0"/>
               <a:t>Fused List</a:t>
             </a:r>
           </a:p>
           <a:p>
-            <a:pPr lvl="1"/>
+            <a:pPr lvl="1">
+              <a:buFont typeface="Wingdings" panose="05000000000000000000" pitchFamily="2" charset="2"/>
+              <a:buChar char="ü"/>
+            </a:pPr>
             <a:r>
               <a:rPr lang="en-US" dirty="0"/>
               <a:t>Ease in Implementation</a:t>
             </a:r>
           </a:p>
           <a:p>
-            <a:pPr lvl="1"/>
-            <a:r>
-              <a:rPr lang="en-US" dirty="0"/>
-              <a:t>Computational Concerns</a:t>
-            </a:r>
-          </a:p>
-          <a:p>
-            <a:pPr lvl="1"/>
-            <a:r>
-              <a:rPr lang="en-US"/>
-              <a:t>Closeness</a:t>
-            </a:r>
-            <a:endParaRPr lang="en-US" dirty="0"/>
+            <a:pPr lvl="1">
+              <a:buFont typeface="Wingdings" panose="05000000000000000000" pitchFamily="2" charset="2"/>
+              <a:buChar char="ü"/>
+            </a:pPr>
+            <a:r>
+              <a:rPr lang="en-US" dirty="0"/>
+              <a:t>Computational/Hardware Concerns</a:t>
+            </a:r>
+          </a:p>
+          <a:p>
+            <a:pPr lvl="1">
+              <a:buFont typeface="Wingdings" panose="05000000000000000000" pitchFamily="2" charset="2"/>
+              <a:buChar char="ü"/>
+            </a:pPr>
+            <a:r>
+              <a:rPr lang="en-US" dirty="0"/>
+              <a:t>Relatedness to our goals</a:t>
+            </a:r>
           </a:p>
           <a:p>
             <a:endParaRPr lang="en-US" dirty="0"/>
@@ -4821,7 +5438,7 @@
           <a:p>
             <a:r>
               <a:rPr lang="en-US" dirty="0"/>
-              <a:t>Biomedical Domain NER Papers</a:t>
+              <a:t>Paper 1 [1]</a:t>
             </a:r>
           </a:p>
         </p:txBody>
@@ -4844,65 +5461,138 @@
         </p:nvSpPr>
         <p:spPr/>
         <p:txBody>
-          <a:bodyPr>
-            <a:normAutofit fontScale="92500" lnSpcReduction="20000"/>
-          </a:bodyPr>
-          <a:lstStyle/>
-          <a:p>
-            <a:r>
-              <a:rPr lang="en-US" dirty="0"/>
-              <a:t>Keyword: “biomedical entity normalization”</a:t>
-            </a:r>
-          </a:p>
-          <a:p>
-            <a:r>
-              <a:rPr lang="en-US" dirty="0"/>
-              <a:t>0-An ensemble CNN method for biomedical entity normalization </a:t>
-            </a:r>
-          </a:p>
-          <a:p>
-            <a:r>
-              <a:rPr lang="en-US" dirty="0"/>
-              <a:t>1-CNN-based ranking for biomedical entity normalization</a:t>
-            </a:r>
-          </a:p>
-          <a:p>
-            <a:r>
-              <a:rPr lang="en-US" dirty="0"/>
-              <a:t>2-NERBio: using selected word conjunctions, term normalization, and global patterns to improve biomedical named entity recognition</a:t>
-            </a:r>
-          </a:p>
-          <a:p>
-            <a:r>
-              <a:rPr lang="en-US" dirty="0"/>
-              <a:t>3-Unsupervised gene/protein named entity normalization using automatically extracted dictionaries </a:t>
-            </a:r>
-          </a:p>
-          <a:p>
-            <a:r>
-              <a:rPr lang="en-US" dirty="0"/>
-              <a:t>4-OrganismTagger: detection, normalization and grounding of organism entities in biomedical documents</a:t>
-            </a:r>
-          </a:p>
-          <a:p>
-            <a:r>
-              <a:rPr lang="en-US" dirty="0"/>
-              <a:t>5-Normalizing biomedical terms by minimizing ambiguity and variability</a:t>
-            </a:r>
-          </a:p>
-          <a:p>
-            <a:r>
-              <a:rPr lang="en-US" dirty="0"/>
-              <a:t>6-A method for named entity normalization in biomedical articles: application to diseases and plants</a:t>
-            </a:r>
-          </a:p>
-          <a:p>
-            <a:r>
-              <a:rPr lang="en-US" dirty="0"/>
-              <a:t>7-DNorm: disease name normalization with pairwise learning to rank</a:t>
-            </a:r>
-          </a:p>
-          <a:p>
+          <a:bodyPr/>
+          <a:lstStyle/>
+          <a:p>
+            <a:pPr>
+              <a:buFont typeface="Wingdings" panose="05000000000000000000" pitchFamily="2" charset="2"/>
+              <a:buChar char="Ø"/>
+            </a:pPr>
+            <a:r>
+              <a:rPr lang="en-US" dirty="0"/>
+              <a:t>A smarter utilization of existing dictionaries</a:t>
+            </a:r>
+          </a:p>
+          <a:p>
+            <a:pPr lvl="1">
+              <a:buFont typeface="Wingdings" panose="05000000000000000000" pitchFamily="2" charset="2"/>
+              <a:buChar char="Ø"/>
+            </a:pPr>
+            <a:r>
+              <a:rPr lang="en-US" dirty="0"/>
+              <a:t>Brenda Tissue Ontology, 121321 habitat synonyms</a:t>
+            </a:r>
+          </a:p>
+          <a:p>
+            <a:pPr lvl="2">
+              <a:buFont typeface="Wingdings" panose="05000000000000000000" pitchFamily="2" charset="2"/>
+              <a:buChar char="Ø"/>
+            </a:pPr>
+            <a:r>
+              <a:rPr lang="en-US" dirty="0"/>
+              <a:t>E.g. the term “central nervous system” (OBT:000831) was expanded to include “hippocampus” and 2748 other terms</a:t>
+            </a:r>
+          </a:p>
+          <a:p>
+            <a:pPr>
+              <a:buFont typeface="Wingdings" panose="05000000000000000000" pitchFamily="2" charset="2"/>
+              <a:buChar char="Ø"/>
+            </a:pPr>
+            <a:r>
+              <a:rPr lang="en-US" dirty="0"/>
+              <a:t>Problem with dictionary-based NER:</a:t>
+            </a:r>
+          </a:p>
+          <a:p>
+            <a:pPr lvl="1">
+              <a:buFont typeface="Wingdings" panose="05000000000000000000" pitchFamily="2" charset="2"/>
+              <a:buChar char="Ø"/>
+            </a:pPr>
+            <a:r>
+              <a:rPr lang="en-US" dirty="0"/>
+              <a:t>Prone to poor precision, especially after automatic dictionary expansion</a:t>
+            </a:r>
+          </a:p>
+          <a:p>
+            <a:pPr>
+              <a:buFont typeface="Wingdings" panose="05000000000000000000" pitchFamily="2" charset="2"/>
+              <a:buChar char="Ø"/>
+            </a:pPr>
+            <a:r>
+              <a:rPr lang="en-US" dirty="0"/>
+              <a:t>Solution</a:t>
+            </a:r>
+          </a:p>
+          <a:p>
+            <a:pPr lvl="1">
+              <a:buFont typeface="Wingdings" panose="05000000000000000000" pitchFamily="2" charset="2"/>
+              <a:buChar char="Ø"/>
+            </a:pPr>
+            <a:r>
+              <a:rPr lang="en-US" dirty="0" err="1"/>
+              <a:t>Stopword</a:t>
+            </a:r>
+            <a:r>
+              <a:rPr lang="en-US" dirty="0"/>
+              <a:t> lists are used to remove matches that contribute the most to the drop in precision</a:t>
+            </a:r>
+          </a:p>
+          <a:p>
+            <a:pPr lvl="2">
+              <a:buFont typeface="Wingdings" panose="05000000000000000000" pitchFamily="2" charset="2"/>
+              <a:buChar char="Ø"/>
+            </a:pPr>
+            <a:r>
+              <a:rPr lang="en-US" dirty="0"/>
+              <a:t>Criteria: removing those terms that were likely to not decrease true positive matches</a:t>
+            </a:r>
+          </a:p>
+          <a:p>
+            <a:pPr lvl="2">
+              <a:buFont typeface="Wingdings" panose="05000000000000000000" pitchFamily="2" charset="2"/>
+              <a:buChar char="Ø"/>
+            </a:pPr>
+            <a:r>
+              <a:rPr lang="en-US" dirty="0"/>
+              <a:t>E.g. unclassified, scales, root</a:t>
+            </a:r>
+          </a:p>
+          <a:p>
+            <a:pPr lvl="2">
+              <a:buFont typeface="Wingdings" panose="05000000000000000000" pitchFamily="2" charset="2"/>
+              <a:buChar char="Ø"/>
+            </a:pPr>
+            <a:r>
+              <a:rPr lang="en-US" dirty="0"/>
+              <a:t>Again, found existing dictionaries</a:t>
+            </a:r>
+          </a:p>
+          <a:p>
+            <a:pPr>
+              <a:buFont typeface="Wingdings" panose="05000000000000000000" pitchFamily="2" charset="2"/>
+              <a:buChar char="Ø"/>
+            </a:pPr>
+            <a:endParaRPr lang="en-US" dirty="0"/>
+          </a:p>
+          <a:p>
+            <a:pPr>
+              <a:buFont typeface="Wingdings" panose="05000000000000000000" pitchFamily="2" charset="2"/>
+              <a:buChar char="Ø"/>
+            </a:pPr>
+            <a:endParaRPr lang="en-US" dirty="0"/>
+          </a:p>
+          <a:p>
+            <a:pPr>
+              <a:buFont typeface="Wingdings" panose="05000000000000000000" pitchFamily="2" charset="2"/>
+              <a:buChar char="Ø"/>
+            </a:pPr>
+            <a:endParaRPr lang="en-US" dirty="0"/>
+          </a:p>
+          <a:p>
+            <a:pPr>
+              <a:buFont typeface="Wingdings" panose="05000000000000000000" pitchFamily="2" charset="2"/>
+              <a:buChar char="Ø"/>
+            </a:pPr>
             <a:endParaRPr lang="en-US" dirty="0"/>
           </a:p>
         </p:txBody>
@@ -4910,7 +5600,7 @@
     </p:spTree>
     <p:extLst>
       <p:ext uri="{BB962C8B-B14F-4D97-AF65-F5344CB8AC3E}">
-        <p14:creationId xmlns:p14="http://schemas.microsoft.com/office/powerpoint/2010/main" val="1452545530"/>
+        <p14:creationId xmlns:p14="http://schemas.microsoft.com/office/powerpoint/2010/main" val="2681154579"/>
       </p:ext>
     </p:extLst>
   </p:cSld>
@@ -4960,7 +5650,7 @@
           <a:p>
             <a:r>
               <a:rPr lang="en-US" dirty="0"/>
-              <a:t>Habitats Domain NER Papers</a:t>
+              <a:t>Paper 2 [4]</a:t>
             </a:r>
           </a:p>
         </p:txBody>
@@ -4986,6 +5676,96 @@
           <a:bodyPr/>
           <a:lstStyle/>
           <a:p>
+            <a:pPr>
+              <a:buFont typeface="Wingdings" panose="05000000000000000000" pitchFamily="2" charset="2"/>
+              <a:buChar char="Ø"/>
+            </a:pPr>
+            <a:r>
+              <a:rPr lang="en-US" dirty="0"/>
+              <a:t>Preprocessing </a:t>
+            </a:r>
+          </a:p>
+          <a:p>
+            <a:pPr lvl="1">
+              <a:buFont typeface="Wingdings" panose="05000000000000000000" pitchFamily="2" charset="2"/>
+              <a:buChar char="Ø"/>
+            </a:pPr>
+            <a:r>
+              <a:rPr lang="en-US" dirty="0"/>
+              <a:t>Acronym expansion: already done</a:t>
+            </a:r>
+          </a:p>
+          <a:p>
+            <a:pPr lvl="1">
+              <a:buFont typeface="Wingdings" panose="05000000000000000000" pitchFamily="2" charset="2"/>
+              <a:buChar char="Ø"/>
+            </a:pPr>
+            <a:r>
+              <a:rPr lang="en-US" dirty="0"/>
+              <a:t>Abbreviation expansion: already observed defect</a:t>
+            </a:r>
+          </a:p>
+          <a:p>
+            <a:pPr lvl="1">
+              <a:buFont typeface="Wingdings" panose="05000000000000000000" pitchFamily="2" charset="2"/>
+              <a:buChar char="Ø"/>
+            </a:pPr>
+            <a:r>
+              <a:rPr lang="en-US" dirty="0"/>
+              <a:t>Stemming: Porter stemmer [17] (we do not expect a better result [4])</a:t>
+            </a:r>
+          </a:p>
+          <a:p>
+            <a:pPr>
+              <a:buFont typeface="Wingdings" panose="05000000000000000000" pitchFamily="2" charset="2"/>
+              <a:buChar char="Ø"/>
+            </a:pPr>
+            <a:r>
+              <a:rPr lang="en-US" dirty="0"/>
+              <a:t>Improving TDIDF, weighted sparse vector space representation</a:t>
+            </a:r>
+          </a:p>
+          <a:p>
+            <a:pPr lvl="2">
+              <a:buFont typeface="Wingdings" panose="05000000000000000000" pitchFamily="2" charset="2"/>
+              <a:buChar char="Ø"/>
+            </a:pPr>
+            <a:r>
+              <a:rPr lang="en-US" dirty="0"/>
+              <a:t>Each concept name in the ontology is considered a document and the IDF weights are based on these names</a:t>
+            </a:r>
+          </a:p>
+          <a:p>
+            <a:pPr lvl="2">
+              <a:buFont typeface="Wingdings" panose="05000000000000000000" pitchFamily="2" charset="2"/>
+              <a:buChar char="Ø"/>
+            </a:pPr>
+            <a:r>
+              <a:rPr lang="en-US" dirty="0"/>
+              <a:t>each concept name and each entity mention is represented with a TFIDF weighted vector and the concept with the highest cosine similarity is assigned for a given entity</a:t>
+            </a:r>
+          </a:p>
+          <a:p>
+            <a:pPr lvl="2">
+              <a:buFont typeface="Wingdings" panose="05000000000000000000" pitchFamily="2" charset="2"/>
+              <a:buChar char="Ø"/>
+            </a:pPr>
+            <a:r>
+              <a:rPr lang="en-US" dirty="0"/>
+              <a:t>Whereas these representations are commonly formed in a bag-of-words fashion</a:t>
+            </a:r>
+          </a:p>
+          <a:p>
+            <a:pPr lvl="3">
+              <a:buFont typeface="Wingdings" panose="05000000000000000000" pitchFamily="2" charset="2"/>
+              <a:buChar char="Ø"/>
+            </a:pPr>
+            <a:r>
+              <a:rPr lang="en-US" dirty="0"/>
+              <a:t>Using character-level n-grams (n=1,2,3 ) will probably result in better outcome [4]</a:t>
+            </a:r>
+          </a:p>
+          <a:p>
             <a:endParaRPr lang="en-US" dirty="0"/>
           </a:p>
         </p:txBody>
@@ -4993,7 +5773,7 @@
     </p:spTree>
     <p:extLst>
       <p:ext uri="{BB962C8B-B14F-4D97-AF65-F5344CB8AC3E}">
-        <p14:creationId xmlns:p14="http://schemas.microsoft.com/office/powerpoint/2010/main" val="3253675657"/>
+        <p14:creationId xmlns:p14="http://schemas.microsoft.com/office/powerpoint/2010/main" val="796136031"/>
       </p:ext>
     </p:extLst>
   </p:cSld>
